--- a/publication/Matule.pptx
+++ b/publication/Matule.pptx
@@ -110,6 +110,11 @@
       </a:defRPr>
     </a:lvl9pPr>
   </p:defaultTextStyle>
+  <p:extLst>
+    <p:ext uri="{EFAFB233-063F-42B5-8137-9DF3F51BA10A}">
+      <p15:sldGuideLst xmlns:p15="http://schemas.microsoft.com/office/powerpoint/2012/main"/>
+    </p:ext>
+  </p:extLst>
 </p:presentation>
 </file>
 
@@ -208,7 +213,7 @@
           <a:effectLst/>
           <a:extLst>
             <a:ext uri="{91240B29-F687-4f45-9708-019B960494DF}">
-              <a14:hiddenLine xmlns:a14="http://schemas.microsoft.com/office/drawing/2010/main" xmlns="" w="9525">
+              <a14:hiddenLine xmlns="" xmlns:a14="http://schemas.microsoft.com/office/drawing/2010/main" w="9525">
                 <a:solidFill>
                   <a:srgbClr val="000000"/>
                 </a:solidFill>
@@ -1718,7 +1723,7 @@
           <a:ln/>
           <a:extLst>
             <a:ext uri="{91240B29-F687-4f45-9708-019B960494DF}">
-              <a14:hiddenLine xmlns:a14="http://schemas.microsoft.com/office/drawing/2010/main" xmlns="" w="9525">
+              <a14:hiddenLine xmlns="" xmlns:a14="http://schemas.microsoft.com/office/drawing/2010/main" w="9525">
                 <a:solidFill>
                   <a:srgbClr val="000000"/>
                 </a:solidFill>
@@ -1990,7 +1995,7 @@
           <a:ln/>
           <a:extLst>
             <a:ext uri="{91240B29-F687-4f45-9708-019B960494DF}">
-              <a14:hiddenLine xmlns:a14="http://schemas.microsoft.com/office/drawing/2010/main" xmlns="" w="9525">
+              <a14:hiddenLine xmlns="" xmlns:a14="http://schemas.microsoft.com/office/drawing/2010/main" w="9525">
                 <a:solidFill>
                   <a:srgbClr val="000000"/>
                 </a:solidFill>
@@ -2270,7 +2275,7 @@
           <a:ln/>
           <a:extLst>
             <a:ext uri="{91240B29-F687-4f45-9708-019B960494DF}">
-              <a14:hiddenLine xmlns:a14="http://schemas.microsoft.com/office/drawing/2010/main" xmlns="" w="9525">
+              <a14:hiddenLine xmlns="" xmlns:a14="http://schemas.microsoft.com/office/drawing/2010/main" w="9525">
                 <a:solidFill>
                   <a:srgbClr val="000000"/>
                 </a:solidFill>
@@ -2890,7 +2895,7 @@
           <a:ln/>
           <a:extLst>
             <a:ext uri="{91240B29-F687-4f45-9708-019B960494DF}">
-              <a14:hiddenLine xmlns:a14="http://schemas.microsoft.com/office/drawing/2010/main" xmlns="" w="9525">
+              <a14:hiddenLine xmlns="" xmlns:a14="http://schemas.microsoft.com/office/drawing/2010/main" w="9525">
                 <a:solidFill>
                   <a:srgbClr val="000000"/>
                 </a:solidFill>
@@ -3226,7 +3231,7 @@
           <a:ln/>
           <a:extLst>
             <a:ext uri="{91240B29-F687-4f45-9708-019B960494DF}">
-              <a14:hiddenLine xmlns:a14="http://schemas.microsoft.com/office/drawing/2010/main" xmlns="" w="9525">
+              <a14:hiddenLine xmlns="" xmlns:a14="http://schemas.microsoft.com/office/drawing/2010/main" w="9525">
                 <a:solidFill>
                   <a:srgbClr val="000000"/>
                 </a:solidFill>
@@ -3700,7 +3705,7 @@
           <a:ln/>
           <a:extLst>
             <a:ext uri="{91240B29-F687-4f45-9708-019B960494DF}">
-              <a14:hiddenLine xmlns:a14="http://schemas.microsoft.com/office/drawing/2010/main" xmlns="" w="9525">
+              <a14:hiddenLine xmlns="" xmlns:a14="http://schemas.microsoft.com/office/drawing/2010/main" w="9525">
                 <a:solidFill>
                   <a:srgbClr val="000000"/>
                 </a:solidFill>
@@ -4123,7 +4128,7 @@
           <a:ln/>
           <a:extLst>
             <a:ext uri="{91240B29-F687-4f45-9708-019B960494DF}">
-              <a14:hiddenLine xmlns:a14="http://schemas.microsoft.com/office/drawing/2010/main" xmlns="" w="9525">
+              <a14:hiddenLine xmlns="" xmlns:a14="http://schemas.microsoft.com/office/drawing/2010/main" w="9525">
                 <a:solidFill>
                   <a:srgbClr val="000000"/>
                 </a:solidFill>
@@ -6103,7 +6108,10 @@
           <a:bodyPr/>
           <a:lstStyle/>
           <a:p>
-            <a:endParaRPr lang="ru-RU"/>
+            <a:r>
+              <a:rPr lang="ru-RU" dirty="0"/>
+              <a:t>И еще скриншоты</a:t>
+            </a:r>
           </a:p>
         </p:txBody>
       </p:sp>
@@ -6268,22 +6276,27 @@
             <p:ph type="title"/>
           </p:nvPr>
         </p:nvSpPr>
-        <p:spPr/>
+        <p:spPr>
+          <a:xfrm>
+            <a:off x="818712" y="1929606"/>
+            <a:ext cx="10554575" cy="2998788"/>
+          </a:xfrm>
+        </p:spPr>
         <p:txBody>
           <a:bodyPr/>
           <a:lstStyle/>
           <a:p>
             <a:r>
-              <a:rPr lang="ru-RU" dirty="0"/>
+              <a:rPr lang="ru-RU" sz="8000" dirty="0"/>
               <a:t>Спасибо за внимание </a:t>
             </a:r>
             <a:r>
-              <a:rPr lang="en-US" dirty="0">
+              <a:rPr lang="en-US" sz="8000" dirty="0">
                 <a:sym typeface="Wingdings" panose="05000000000000000000" pitchFamily="2" charset="2"/>
               </a:rPr>
               <a:t>  </a:t>
             </a:r>
-            <a:endParaRPr lang="ru-RU" dirty="0"/>
+            <a:endParaRPr lang="ru-RU" sz="8000" dirty="0"/>
           </a:p>
         </p:txBody>
       </p:sp>
@@ -6308,7 +6321,10 @@
           <a:bodyPr/>
           <a:lstStyle/>
           <a:p>
-            <a:endParaRPr lang="ru-RU"/>
+            <a:pPr marL="0" indent="0">
+              <a:buNone/>
+            </a:pPr>
+            <a:endParaRPr lang="ru-RU" dirty="0"/>
           </a:p>
         </p:txBody>
       </p:sp>

--- a/publication/Matule.pptx
+++ b/publication/Matule.pptx
@@ -213,7 +213,7 @@
           <a:effectLst/>
           <a:extLst>
             <a:ext uri="{91240B29-F687-4f45-9708-019B960494DF}">
-              <a14:hiddenLine xmlns="" xmlns:a14="http://schemas.microsoft.com/office/drawing/2010/main" w="9525">
+              <a14:hiddenLine xmlns:a14="http://schemas.microsoft.com/office/drawing/2010/main" xmlns="" w="9525">
                 <a:solidFill>
                   <a:srgbClr val="000000"/>
                 </a:solidFill>
@@ -1723,7 +1723,7 @@
           <a:ln/>
           <a:extLst>
             <a:ext uri="{91240B29-F687-4f45-9708-019B960494DF}">
-              <a14:hiddenLine xmlns="" xmlns:a14="http://schemas.microsoft.com/office/drawing/2010/main" w="9525">
+              <a14:hiddenLine xmlns:a14="http://schemas.microsoft.com/office/drawing/2010/main" xmlns="" w="9525">
                 <a:solidFill>
                   <a:srgbClr val="000000"/>
                 </a:solidFill>
@@ -1995,7 +1995,7 @@
           <a:ln/>
           <a:extLst>
             <a:ext uri="{91240B29-F687-4f45-9708-019B960494DF}">
-              <a14:hiddenLine xmlns="" xmlns:a14="http://schemas.microsoft.com/office/drawing/2010/main" w="9525">
+              <a14:hiddenLine xmlns:a14="http://schemas.microsoft.com/office/drawing/2010/main" xmlns="" w="9525">
                 <a:solidFill>
                   <a:srgbClr val="000000"/>
                 </a:solidFill>
@@ -2275,7 +2275,7 @@
           <a:ln/>
           <a:extLst>
             <a:ext uri="{91240B29-F687-4f45-9708-019B960494DF}">
-              <a14:hiddenLine xmlns="" xmlns:a14="http://schemas.microsoft.com/office/drawing/2010/main" w="9525">
+              <a14:hiddenLine xmlns:a14="http://schemas.microsoft.com/office/drawing/2010/main" xmlns="" w="9525">
                 <a:solidFill>
                   <a:srgbClr val="000000"/>
                 </a:solidFill>
@@ -2895,7 +2895,7 @@
           <a:ln/>
           <a:extLst>
             <a:ext uri="{91240B29-F687-4f45-9708-019B960494DF}">
-              <a14:hiddenLine xmlns="" xmlns:a14="http://schemas.microsoft.com/office/drawing/2010/main" w="9525">
+              <a14:hiddenLine xmlns:a14="http://schemas.microsoft.com/office/drawing/2010/main" xmlns="" w="9525">
                 <a:solidFill>
                   <a:srgbClr val="000000"/>
                 </a:solidFill>
@@ -3231,7 +3231,7 @@
           <a:ln/>
           <a:extLst>
             <a:ext uri="{91240B29-F687-4f45-9708-019B960494DF}">
-              <a14:hiddenLine xmlns="" xmlns:a14="http://schemas.microsoft.com/office/drawing/2010/main" w="9525">
+              <a14:hiddenLine xmlns:a14="http://schemas.microsoft.com/office/drawing/2010/main" xmlns="" w="9525">
                 <a:solidFill>
                   <a:srgbClr val="000000"/>
                 </a:solidFill>
@@ -3705,7 +3705,7 @@
           <a:ln/>
           <a:extLst>
             <a:ext uri="{91240B29-F687-4f45-9708-019B960494DF}">
-              <a14:hiddenLine xmlns="" xmlns:a14="http://schemas.microsoft.com/office/drawing/2010/main" w="9525">
+              <a14:hiddenLine xmlns:a14="http://schemas.microsoft.com/office/drawing/2010/main" xmlns="" w="9525">
                 <a:solidFill>
                   <a:srgbClr val="000000"/>
                 </a:solidFill>
@@ -4128,7 +4128,7 @@
           <a:ln/>
           <a:extLst>
             <a:ext uri="{91240B29-F687-4f45-9708-019B960494DF}">
-              <a14:hiddenLine xmlns="" xmlns:a14="http://schemas.microsoft.com/office/drawing/2010/main" w="9525">
+              <a14:hiddenLine xmlns:a14="http://schemas.microsoft.com/office/drawing/2010/main" xmlns="" w="9525">
                 <a:solidFill>
                   <a:srgbClr val="000000"/>
                 </a:solidFill>
@@ -5403,11 +5403,19 @@
           <a:p>
             <a:r>
               <a:rPr lang="ru-RU" dirty="0"/>
-              <a:t>Приложение написанное на </a:t>
+              <a:t>Приложение </a:t>
+            </a:r>
+            <a:r>
+              <a:rPr lang="ru-RU"/>
+              <a:t>написанное в </a:t>
+            </a:r>
+            <a:r>
+              <a:rPr lang="en-US"/>
+              <a:t>Android </a:t>
             </a:r>
             <a:r>
               <a:rPr lang="en-US" dirty="0"/>
-              <a:t>Android studio</a:t>
+              <a:t>studio</a:t>
             </a:r>
             <a:endParaRPr lang="ru-RU" dirty="0"/>
           </a:p>
